--- a/pre-report/final version/pre-report pic.pptx
+++ b/pre-report/final version/pre-report pic.pptx
@@ -8113,8 +8113,8 @@
         </p:nvSpPr>
         <p:spPr>
           <a:xfrm>
-            <a:off x="1653539" y="1549400"/>
-            <a:ext cx="5341621" cy="3022600"/>
+            <a:off x="1684021" y="1719262"/>
+            <a:ext cx="7589520" cy="2128837"/>
           </a:xfrm>
           <a:prstGeom prst="rect">
             <a:avLst/>
@@ -8163,7 +8163,7 @@
         </p:nvSpPr>
         <p:spPr>
           <a:xfrm>
-            <a:off x="1770063" y="1630981"/>
+            <a:off x="1820265" y="1799513"/>
             <a:ext cx="2320167" cy="276999"/>
           </a:xfrm>
           <a:prstGeom prst="rect">
@@ -8209,603 +8209,19 @@
       </p:sp>
       <p:sp>
         <p:nvSpPr>
-          <p:cNvPr id="81" name="Rectangle 80">
-            <a:extLst>
-              <a:ext uri="{FF2B5EF4-FFF2-40B4-BE49-F238E27FC236}">
-                <a16:creationId xmlns:a16="http://schemas.microsoft.com/office/drawing/2014/main" id="{CEB10A66-B0A3-1B4A-9129-D5C569029C69}"/>
-              </a:ext>
-            </a:extLst>
-          </p:cNvPr>
-          <p:cNvSpPr/>
-          <p:nvPr/>
-        </p:nvSpPr>
-        <p:spPr>
-          <a:xfrm>
-            <a:off x="4553963" y="3335052"/>
-            <a:ext cx="2316198" cy="276999"/>
-          </a:xfrm>
-          <a:prstGeom prst="rect">
-            <a:avLst/>
-          </a:prstGeom>
-          <a:solidFill>
-            <a:schemeClr val="accent4">
-              <a:lumMod val="60000"/>
-              <a:lumOff val="40000"/>
-            </a:schemeClr>
-          </a:solidFill>
-        </p:spPr>
-        <p:txBody>
-          <a:bodyPr wrap="square">
-            <a:spAutoFit/>
-          </a:bodyPr>
-          <a:lstStyle/>
-          <a:p>
-            <a:pPr algn="ctr"/>
-            <a:r>
-              <a:rPr lang="zh-CN" altLang="en-US" sz="1200" dirty="0" smtClean="0"/>
-              <a:t>开放</a:t>
-            </a:r>
-            <a:r>
-              <a:rPr lang="zh-CN" altLang="en-CN" sz="1200" dirty="0" smtClean="0"/>
-              <a:t>环境</a:t>
-            </a:r>
-            <a:r>
-              <a:rPr lang="zh-CN" altLang="en-US" sz="1200" dirty="0" smtClean="0"/>
-              <a:t>自主感知</a:t>
-            </a:r>
-            <a:endParaRPr lang="en-CN" sz="1200" dirty="0"/>
-          </a:p>
-        </p:txBody>
-      </p:sp>
-      <p:sp>
-        <p:nvSpPr>
-          <p:cNvPr id="82" name="Rectangle 81">
-            <a:extLst>
-              <a:ext uri="{FF2B5EF4-FFF2-40B4-BE49-F238E27FC236}">
-                <a16:creationId xmlns:a16="http://schemas.microsoft.com/office/drawing/2014/main" id="{9B2CF6B2-DED8-DA41-9717-0F0FBD71997E}"/>
-              </a:ext>
-            </a:extLst>
-          </p:cNvPr>
-          <p:cNvSpPr/>
-          <p:nvPr/>
-        </p:nvSpPr>
-        <p:spPr>
-          <a:xfrm>
-            <a:off x="1770063" y="2428488"/>
-            <a:ext cx="2311400" cy="276999"/>
-          </a:xfrm>
-          <a:prstGeom prst="rect">
-            <a:avLst/>
-          </a:prstGeom>
-          <a:solidFill>
-            <a:schemeClr val="accent6">
-              <a:lumMod val="40000"/>
-              <a:lumOff val="60000"/>
-            </a:schemeClr>
-          </a:solidFill>
-        </p:spPr>
-        <p:txBody>
-          <a:bodyPr wrap="square">
-            <a:spAutoFit/>
-          </a:bodyPr>
-          <a:lstStyle/>
-          <a:p>
-            <a:pPr algn="ctr"/>
-            <a:r>
-              <a:rPr lang="zh-CN" altLang="en-US" sz="1200" dirty="0" smtClean="0"/>
-              <a:t>多智体关联</a:t>
-            </a:r>
-            <a:r>
-              <a:rPr lang="zh-CN" altLang="en-US" sz="1200" dirty="0"/>
-              <a:t>模型</a:t>
-            </a:r>
-            <a:r>
-              <a:rPr lang="zh-CN" altLang="en-US" sz="1200" dirty="0" smtClean="0"/>
-              <a:t>构建</a:t>
-            </a:r>
-            <a:endParaRPr lang="en-CN" sz="1200" dirty="0"/>
-          </a:p>
-        </p:txBody>
-      </p:sp>
-      <p:sp>
-        <p:nvSpPr>
-          <p:cNvPr id="46" name="Rectangle 80">
-            <a:extLst>
-              <a:ext uri="{FF2B5EF4-FFF2-40B4-BE49-F238E27FC236}">
-                <a16:creationId xmlns:a16="http://schemas.microsoft.com/office/drawing/2014/main" id="{CEB10A66-B0A3-1B4A-9129-D5C569029C69}"/>
-              </a:ext>
-            </a:extLst>
-          </p:cNvPr>
-          <p:cNvSpPr/>
-          <p:nvPr/>
-        </p:nvSpPr>
-        <p:spPr>
-          <a:xfrm>
-            <a:off x="4558761" y="1980377"/>
-            <a:ext cx="2311400" cy="276999"/>
-          </a:xfrm>
-          <a:prstGeom prst="rect">
-            <a:avLst/>
-          </a:prstGeom>
-          <a:solidFill>
-            <a:schemeClr val="accent4">
-              <a:lumMod val="60000"/>
-              <a:lumOff val="40000"/>
-            </a:schemeClr>
-          </a:solidFill>
-        </p:spPr>
-        <p:txBody>
-          <a:bodyPr wrap="square">
-            <a:spAutoFit/>
-          </a:bodyPr>
-          <a:lstStyle/>
-          <a:p>
-            <a:pPr algn="ctr"/>
-            <a:r>
-              <a:rPr lang="zh-CN" altLang="en-US" sz="1200" dirty="0"/>
-              <a:t>多智体内</a:t>
-            </a:r>
-            <a:r>
-              <a:rPr lang="zh-CN" altLang="en-US" sz="1200" dirty="0" smtClean="0"/>
-              <a:t>自主任务组织</a:t>
-            </a:r>
-            <a:endParaRPr lang="en-CN" sz="1200" dirty="0"/>
-          </a:p>
-        </p:txBody>
-      </p:sp>
-      <p:sp>
-        <p:nvSpPr>
-          <p:cNvPr id="47" name="Rectangle 80">
-            <a:extLst>
-              <a:ext uri="{FF2B5EF4-FFF2-40B4-BE49-F238E27FC236}">
-                <a16:creationId xmlns:a16="http://schemas.microsoft.com/office/drawing/2014/main" id="{CEB10A66-B0A3-1B4A-9129-D5C569029C69}"/>
-              </a:ext>
-            </a:extLst>
-          </p:cNvPr>
-          <p:cNvSpPr/>
-          <p:nvPr/>
-        </p:nvSpPr>
-        <p:spPr>
-          <a:xfrm>
-            <a:off x="4553963" y="2877714"/>
-            <a:ext cx="2316198" cy="276999"/>
-          </a:xfrm>
-          <a:prstGeom prst="rect">
-            <a:avLst/>
-          </a:prstGeom>
-          <a:solidFill>
-            <a:schemeClr val="accent4">
-              <a:lumMod val="60000"/>
-              <a:lumOff val="40000"/>
-            </a:schemeClr>
-          </a:solidFill>
-        </p:spPr>
-        <p:txBody>
-          <a:bodyPr wrap="square">
-            <a:spAutoFit/>
-          </a:bodyPr>
-          <a:lstStyle/>
-          <a:p>
-            <a:pPr algn="ctr"/>
-            <a:r>
-              <a:rPr lang="zh-CN" altLang="en-US" sz="1200" dirty="0" smtClean="0"/>
-              <a:t>单智体间社群网络关系感知</a:t>
-            </a:r>
-            <a:endParaRPr lang="en-CN" sz="1200" dirty="0"/>
-          </a:p>
-        </p:txBody>
-      </p:sp>
-      <p:sp>
-        <p:nvSpPr>
-          <p:cNvPr id="48" name="Rectangle 81">
-            <a:extLst>
-              <a:ext uri="{FF2B5EF4-FFF2-40B4-BE49-F238E27FC236}">
-                <a16:creationId xmlns:a16="http://schemas.microsoft.com/office/drawing/2014/main" id="{9B2CF6B2-DED8-DA41-9717-0F0FBD71997E}"/>
-              </a:ext>
-            </a:extLst>
-          </p:cNvPr>
-          <p:cNvSpPr/>
-          <p:nvPr/>
-        </p:nvSpPr>
-        <p:spPr>
-          <a:xfrm>
-            <a:off x="1761296" y="3774492"/>
-            <a:ext cx="2311400" cy="276999"/>
-          </a:xfrm>
-          <a:prstGeom prst="rect">
-            <a:avLst/>
-          </a:prstGeom>
-          <a:solidFill>
-            <a:schemeClr val="accent6">
-              <a:lumMod val="40000"/>
-              <a:lumOff val="60000"/>
-            </a:schemeClr>
-          </a:solidFill>
-        </p:spPr>
-        <p:txBody>
-          <a:bodyPr wrap="square">
-            <a:spAutoFit/>
-          </a:bodyPr>
-          <a:lstStyle/>
-          <a:p>
-            <a:pPr algn="ctr"/>
-            <a:r>
-              <a:rPr lang="zh-CN" altLang="en-US" sz="1200" dirty="0" smtClean="0"/>
-              <a:t>自适应多智体协同决策模型</a:t>
-            </a:r>
-            <a:endParaRPr lang="en-CN" sz="1200" dirty="0"/>
-          </a:p>
-        </p:txBody>
-      </p:sp>
-      <p:sp>
-        <p:nvSpPr>
-          <p:cNvPr id="49" name="Rectangle 80">
-            <a:extLst>
-              <a:ext uri="{FF2B5EF4-FFF2-40B4-BE49-F238E27FC236}">
-                <a16:creationId xmlns:a16="http://schemas.microsoft.com/office/drawing/2014/main" id="{CEB10A66-B0A3-1B4A-9129-D5C569029C69}"/>
-              </a:ext>
-            </a:extLst>
-          </p:cNvPr>
-          <p:cNvSpPr/>
-          <p:nvPr/>
-        </p:nvSpPr>
-        <p:spPr>
-          <a:xfrm>
-            <a:off x="4549994" y="4223717"/>
-            <a:ext cx="2316198" cy="276999"/>
-          </a:xfrm>
-          <a:prstGeom prst="rect">
-            <a:avLst/>
-          </a:prstGeom>
-          <a:solidFill>
-            <a:schemeClr val="accent4">
-              <a:lumMod val="60000"/>
-              <a:lumOff val="40000"/>
-            </a:schemeClr>
-          </a:solidFill>
-        </p:spPr>
-        <p:txBody>
-          <a:bodyPr wrap="square">
-            <a:spAutoFit/>
-          </a:bodyPr>
-          <a:lstStyle/>
-          <a:p>
-            <a:pPr algn="ctr"/>
-            <a:r>
-              <a:rPr lang="zh-CN" altLang="en-US" sz="1200" dirty="0"/>
-              <a:t>动态</a:t>
-            </a:r>
-            <a:r>
-              <a:rPr lang="zh-CN" altLang="en-US" sz="1200" dirty="0" smtClean="0"/>
-              <a:t>单智体参与激励策略</a:t>
-            </a:r>
-            <a:endParaRPr lang="en-CN" sz="1200" dirty="0"/>
-          </a:p>
-        </p:txBody>
-      </p:sp>
-      <p:grpSp>
-        <p:nvGrpSpPr>
-          <p:cNvPr id="14" name="组合 13"/>
-          <p:cNvGrpSpPr/>
-          <p:nvPr/>
-        </p:nvGrpSpPr>
-        <p:grpSpPr>
-          <a:xfrm>
-            <a:off x="4081463" y="2118876"/>
-            <a:ext cx="477298" cy="897338"/>
-            <a:chOff x="4081463" y="2118876"/>
-            <a:chExt cx="477298" cy="897338"/>
-          </a:xfrm>
-        </p:grpSpPr>
-        <p:cxnSp>
-          <p:nvCxnSpPr>
-            <p:cNvPr id="5" name="直接连接符 4"/>
-            <p:cNvCxnSpPr>
-              <a:stCxn id="46" idx="1"/>
-            </p:cNvCxnSpPr>
-            <p:nvPr/>
-          </p:nvCxnSpPr>
-          <p:spPr>
-            <a:xfrm flipH="1" flipV="1">
-              <a:off x="4368800" y="2118876"/>
-              <a:ext cx="189961" cy="1"/>
-            </a:xfrm>
-            <a:prstGeom prst="line">
-              <a:avLst/>
-            </a:prstGeom>
-            <a:ln w="25400" cap="rnd"/>
-          </p:spPr>
-          <p:style>
-            <a:lnRef idx="1">
-              <a:schemeClr val="accent1"/>
-            </a:lnRef>
-            <a:fillRef idx="0">
-              <a:schemeClr val="accent1"/>
-            </a:fillRef>
-            <a:effectRef idx="0">
-              <a:schemeClr val="accent1"/>
-            </a:effectRef>
-            <a:fontRef idx="minor">
-              <a:schemeClr val="tx1"/>
-            </a:fontRef>
-          </p:style>
-        </p:cxnSp>
-        <p:cxnSp>
-          <p:nvCxnSpPr>
-            <p:cNvPr id="8" name="直接连接符 7"/>
-            <p:cNvCxnSpPr/>
-            <p:nvPr/>
-          </p:nvCxnSpPr>
-          <p:spPr>
-            <a:xfrm>
-              <a:off x="4368800" y="2118876"/>
-              <a:ext cx="0" cy="897337"/>
-            </a:xfrm>
-            <a:prstGeom prst="line">
-              <a:avLst/>
-            </a:prstGeom>
-            <a:ln w="25400" cap="rnd">
-              <a:solidFill>
-                <a:schemeClr val="accent1">
-                  <a:lumMod val="75000"/>
-                </a:schemeClr>
-              </a:solidFill>
-            </a:ln>
-          </p:spPr>
-          <p:style>
-            <a:lnRef idx="1">
-              <a:schemeClr val="accent1"/>
-            </a:lnRef>
-            <a:fillRef idx="0">
-              <a:schemeClr val="accent1"/>
-            </a:fillRef>
-            <a:effectRef idx="0">
-              <a:schemeClr val="accent1"/>
-            </a:effectRef>
-            <a:fontRef idx="minor">
-              <a:schemeClr val="tx1"/>
-            </a:fontRef>
-          </p:style>
-        </p:cxnSp>
-        <p:cxnSp>
-          <p:nvCxnSpPr>
-            <p:cNvPr id="11" name="直接连接符 10"/>
-            <p:cNvCxnSpPr>
-              <a:endCxn id="47" idx="1"/>
-            </p:cNvCxnSpPr>
-            <p:nvPr/>
-          </p:nvCxnSpPr>
-          <p:spPr>
-            <a:xfrm>
-              <a:off x="4368800" y="3016213"/>
-              <a:ext cx="185163" cy="1"/>
-            </a:xfrm>
-            <a:prstGeom prst="line">
-              <a:avLst/>
-            </a:prstGeom>
-            <a:ln w="25400" cap="rnd"/>
-          </p:spPr>
-          <p:style>
-            <a:lnRef idx="1">
-              <a:schemeClr val="accent1"/>
-            </a:lnRef>
-            <a:fillRef idx="0">
-              <a:schemeClr val="accent1"/>
-            </a:fillRef>
-            <a:effectRef idx="0">
-              <a:schemeClr val="accent1"/>
-            </a:effectRef>
-            <a:fontRef idx="minor">
-              <a:schemeClr val="tx1"/>
-            </a:fontRef>
-          </p:style>
-        </p:cxnSp>
-        <p:cxnSp>
-          <p:nvCxnSpPr>
-            <p:cNvPr id="13" name="直接连接符 12"/>
-            <p:cNvCxnSpPr/>
-            <p:nvPr/>
-          </p:nvCxnSpPr>
-          <p:spPr>
-            <a:xfrm flipH="1">
-              <a:off x="4081463" y="2566988"/>
-              <a:ext cx="287337" cy="0"/>
-            </a:xfrm>
-            <a:prstGeom prst="line">
-              <a:avLst/>
-            </a:prstGeom>
-            <a:ln w="25400">
-              <a:solidFill>
-                <a:schemeClr val="accent1">
-                  <a:lumMod val="75000"/>
-                </a:schemeClr>
-              </a:solidFill>
-              <a:tailEnd type="triangle"/>
-            </a:ln>
-          </p:spPr>
-          <p:style>
-            <a:lnRef idx="1">
-              <a:schemeClr val="accent1"/>
-            </a:lnRef>
-            <a:fillRef idx="0">
-              <a:schemeClr val="accent1"/>
-            </a:fillRef>
-            <a:effectRef idx="0">
-              <a:schemeClr val="accent1"/>
-            </a:effectRef>
-            <a:fontRef idx="minor">
-              <a:schemeClr val="tx1"/>
-            </a:fontRef>
-          </p:style>
-        </p:cxnSp>
-      </p:grpSp>
-      <p:grpSp>
-        <p:nvGrpSpPr>
-          <p:cNvPr id="58" name="组合 57"/>
-          <p:cNvGrpSpPr/>
-          <p:nvPr/>
-        </p:nvGrpSpPr>
-        <p:grpSpPr>
-          <a:xfrm>
-            <a:off x="4072696" y="3464880"/>
-            <a:ext cx="477298" cy="897338"/>
-            <a:chOff x="4081463" y="2118876"/>
-            <a:chExt cx="477298" cy="897338"/>
-          </a:xfrm>
-        </p:grpSpPr>
-        <p:cxnSp>
-          <p:nvCxnSpPr>
-            <p:cNvPr id="61" name="直接连接符 60"/>
-            <p:cNvCxnSpPr/>
-            <p:nvPr/>
-          </p:nvCxnSpPr>
-          <p:spPr>
-            <a:xfrm flipH="1" flipV="1">
-              <a:off x="4368800" y="2118876"/>
-              <a:ext cx="189961" cy="1"/>
-            </a:xfrm>
-            <a:prstGeom prst="line">
-              <a:avLst/>
-            </a:prstGeom>
-            <a:ln w="25400" cap="rnd"/>
-          </p:spPr>
-          <p:style>
-            <a:lnRef idx="1">
-              <a:schemeClr val="accent1"/>
-            </a:lnRef>
-            <a:fillRef idx="0">
-              <a:schemeClr val="accent1"/>
-            </a:fillRef>
-            <a:effectRef idx="0">
-              <a:schemeClr val="accent1"/>
-            </a:effectRef>
-            <a:fontRef idx="minor">
-              <a:schemeClr val="tx1"/>
-            </a:fontRef>
-          </p:style>
-        </p:cxnSp>
-        <p:cxnSp>
-          <p:nvCxnSpPr>
-            <p:cNvPr id="62" name="直接连接符 61"/>
-            <p:cNvCxnSpPr/>
-            <p:nvPr/>
-          </p:nvCxnSpPr>
-          <p:spPr>
-            <a:xfrm>
-              <a:off x="4368800" y="2118876"/>
-              <a:ext cx="0" cy="897337"/>
-            </a:xfrm>
-            <a:prstGeom prst="line">
-              <a:avLst/>
-            </a:prstGeom>
-            <a:ln w="25400" cap="rnd">
-              <a:solidFill>
-                <a:schemeClr val="accent1">
-                  <a:lumMod val="75000"/>
-                </a:schemeClr>
-              </a:solidFill>
-            </a:ln>
-          </p:spPr>
-          <p:style>
-            <a:lnRef idx="1">
-              <a:schemeClr val="accent1"/>
-            </a:lnRef>
-            <a:fillRef idx="0">
-              <a:schemeClr val="accent1"/>
-            </a:fillRef>
-            <a:effectRef idx="0">
-              <a:schemeClr val="accent1"/>
-            </a:effectRef>
-            <a:fontRef idx="minor">
-              <a:schemeClr val="tx1"/>
-            </a:fontRef>
-          </p:style>
-        </p:cxnSp>
-        <p:cxnSp>
-          <p:nvCxnSpPr>
-            <p:cNvPr id="64" name="直接连接符 63"/>
-            <p:cNvCxnSpPr/>
-            <p:nvPr/>
-          </p:nvCxnSpPr>
-          <p:spPr>
-            <a:xfrm>
-              <a:off x="4368800" y="3016213"/>
-              <a:ext cx="185163" cy="1"/>
-            </a:xfrm>
-            <a:prstGeom prst="line">
-              <a:avLst/>
-            </a:prstGeom>
-            <a:ln w="25400" cap="rnd"/>
-          </p:spPr>
-          <p:style>
-            <a:lnRef idx="1">
-              <a:schemeClr val="accent1"/>
-            </a:lnRef>
-            <a:fillRef idx="0">
-              <a:schemeClr val="accent1"/>
-            </a:fillRef>
-            <a:effectRef idx="0">
-              <a:schemeClr val="accent1"/>
-            </a:effectRef>
-            <a:fontRef idx="minor">
-              <a:schemeClr val="tx1"/>
-            </a:fontRef>
-          </p:style>
-        </p:cxnSp>
-        <p:cxnSp>
-          <p:nvCxnSpPr>
-            <p:cNvPr id="65" name="直接连接符 64"/>
-            <p:cNvCxnSpPr/>
-            <p:nvPr/>
-          </p:nvCxnSpPr>
-          <p:spPr>
-            <a:xfrm flipH="1">
-              <a:off x="4081463" y="2566988"/>
-              <a:ext cx="287337" cy="0"/>
-            </a:xfrm>
-            <a:prstGeom prst="line">
-              <a:avLst/>
-            </a:prstGeom>
-            <a:ln w="25400">
-              <a:solidFill>
-                <a:schemeClr val="accent1">
-                  <a:lumMod val="75000"/>
-                </a:schemeClr>
-              </a:solidFill>
-              <a:tailEnd type="triangle"/>
-            </a:ln>
-          </p:spPr>
-          <p:style>
-            <a:lnRef idx="1">
-              <a:schemeClr val="accent1"/>
-            </a:lnRef>
-            <a:fillRef idx="0">
-              <a:schemeClr val="accent1"/>
-            </a:fillRef>
-            <a:effectRef idx="0">
-              <a:schemeClr val="accent1"/>
-            </a:effectRef>
-            <a:fontRef idx="minor">
-              <a:schemeClr val="tx1"/>
-            </a:fontRef>
-          </p:style>
-        </p:cxnSp>
-      </p:grpSp>
-      <p:sp>
-        <p:nvSpPr>
           <p:cNvPr id="28" name="下箭头 27"/>
           <p:cNvSpPr/>
           <p:nvPr/>
         </p:nvSpPr>
         <p:spPr>
-          <a:xfrm>
-            <a:off x="2701096" y="2877713"/>
-            <a:ext cx="431800" cy="734337"/>
+          <a:xfrm rot="10800000">
+            <a:off x="5295297" y="2780880"/>
+            <a:ext cx="356737" cy="404699"/>
           </a:xfrm>
           <a:prstGeom prst="downArrow">
             <a:avLst>
-              <a:gd name="adj1" fmla="val 36765"/>
-              <a:gd name="adj2" fmla="val 50000"/>
+              <a:gd name="adj1" fmla="val 26471"/>
+              <a:gd name="adj2" fmla="val 50513"/>
             </a:avLst>
           </a:prstGeom>
           <a:solidFill>
@@ -8845,6 +8261,412 @@
           </a:p>
         </p:txBody>
       </p:sp>
+      <p:grpSp>
+        <p:nvGrpSpPr>
+          <p:cNvPr id="2" name="组合 1"/>
+          <p:cNvGrpSpPr/>
+          <p:nvPr/>
+        </p:nvGrpSpPr>
+        <p:grpSpPr>
+          <a:xfrm>
+            <a:off x="1755460" y="3259433"/>
+            <a:ext cx="7424740" cy="493402"/>
+            <a:chOff x="1702327" y="2319396"/>
+            <a:chExt cx="7424740" cy="493402"/>
+          </a:xfrm>
+        </p:grpSpPr>
+        <p:sp>
+          <p:nvSpPr>
+            <p:cNvPr id="82" name="Rectangle 81">
+              <a:extLst>
+                <a:ext uri="{FF2B5EF4-FFF2-40B4-BE49-F238E27FC236}">
+                  <a16:creationId xmlns:a16="http://schemas.microsoft.com/office/drawing/2014/main" id="{9B2CF6B2-DED8-DA41-9717-0F0FBD71997E}"/>
+                </a:ext>
+              </a:extLst>
+            </p:cNvPr>
+            <p:cNvSpPr/>
+            <p:nvPr/>
+          </p:nvSpPr>
+          <p:spPr>
+            <a:xfrm>
+              <a:off x="1770063" y="2428488"/>
+              <a:ext cx="2311400" cy="276999"/>
+            </a:xfrm>
+            <a:prstGeom prst="rect">
+              <a:avLst/>
+            </a:prstGeom>
+            <a:solidFill>
+              <a:schemeClr val="accent6">
+                <a:lumMod val="40000"/>
+                <a:lumOff val="60000"/>
+              </a:schemeClr>
+            </a:solidFill>
+          </p:spPr>
+          <p:txBody>
+            <a:bodyPr wrap="square">
+              <a:spAutoFit/>
+            </a:bodyPr>
+            <a:lstStyle/>
+            <a:p>
+              <a:pPr algn="ctr"/>
+              <a:r>
+                <a:rPr lang="zh-CN" altLang="en-US" sz="1200" dirty="0" smtClean="0"/>
+                <a:t>多智体关联</a:t>
+              </a:r>
+              <a:r>
+                <a:rPr lang="zh-CN" altLang="en-US" sz="1200" dirty="0"/>
+                <a:t>模型</a:t>
+              </a:r>
+              <a:r>
+                <a:rPr lang="zh-CN" altLang="en-US" sz="1200" dirty="0" smtClean="0"/>
+                <a:t>构建</a:t>
+              </a:r>
+              <a:endParaRPr lang="en-CN" sz="1200" dirty="0"/>
+            </a:p>
+          </p:txBody>
+        </p:sp>
+        <p:sp>
+          <p:nvSpPr>
+            <p:cNvPr id="46" name="Rectangle 80">
+              <a:extLst>
+                <a:ext uri="{FF2B5EF4-FFF2-40B4-BE49-F238E27FC236}">
+                  <a16:creationId xmlns:a16="http://schemas.microsoft.com/office/drawing/2014/main" id="{CEB10A66-B0A3-1B4A-9129-D5C569029C69}"/>
+                </a:ext>
+              </a:extLst>
+            </p:cNvPr>
+            <p:cNvSpPr/>
+            <p:nvPr/>
+          </p:nvSpPr>
+          <p:spPr>
+            <a:xfrm>
+              <a:off x="4255560" y="2432476"/>
+              <a:ext cx="2311400" cy="276999"/>
+            </a:xfrm>
+            <a:prstGeom prst="rect">
+              <a:avLst/>
+            </a:prstGeom>
+            <a:solidFill>
+              <a:schemeClr val="accent4">
+                <a:lumMod val="60000"/>
+                <a:lumOff val="40000"/>
+              </a:schemeClr>
+            </a:solidFill>
+          </p:spPr>
+          <p:txBody>
+            <a:bodyPr wrap="square">
+              <a:spAutoFit/>
+            </a:bodyPr>
+            <a:lstStyle/>
+            <a:p>
+              <a:pPr algn="ctr"/>
+              <a:r>
+                <a:rPr lang="zh-CN" altLang="en-US" sz="1200" dirty="0"/>
+                <a:t>多智体内</a:t>
+              </a:r>
+              <a:r>
+                <a:rPr lang="zh-CN" altLang="en-US" sz="1200" dirty="0" smtClean="0"/>
+                <a:t>自主任务组织</a:t>
+              </a:r>
+              <a:endParaRPr lang="en-CN" sz="1200" dirty="0"/>
+            </a:p>
+          </p:txBody>
+        </p:sp>
+        <p:sp>
+          <p:nvSpPr>
+            <p:cNvPr id="47" name="Rectangle 80">
+              <a:extLst>
+                <a:ext uri="{FF2B5EF4-FFF2-40B4-BE49-F238E27FC236}">
+                  <a16:creationId xmlns:a16="http://schemas.microsoft.com/office/drawing/2014/main" id="{CEB10A66-B0A3-1B4A-9129-D5C569029C69}"/>
+                </a:ext>
+              </a:extLst>
+            </p:cNvPr>
+            <p:cNvSpPr/>
+            <p:nvPr/>
+          </p:nvSpPr>
+          <p:spPr>
+            <a:xfrm>
+              <a:off x="6741057" y="2427598"/>
+              <a:ext cx="2316198" cy="276999"/>
+            </a:xfrm>
+            <a:prstGeom prst="rect">
+              <a:avLst/>
+            </a:prstGeom>
+            <a:solidFill>
+              <a:schemeClr val="accent4">
+                <a:lumMod val="60000"/>
+                <a:lumOff val="40000"/>
+              </a:schemeClr>
+            </a:solidFill>
+          </p:spPr>
+          <p:txBody>
+            <a:bodyPr wrap="square">
+              <a:spAutoFit/>
+            </a:bodyPr>
+            <a:lstStyle/>
+            <a:p>
+              <a:pPr algn="ctr"/>
+              <a:r>
+                <a:rPr lang="zh-CN" altLang="en-US" sz="1200" dirty="0" smtClean="0"/>
+                <a:t>单智体间社群网络关系感知</a:t>
+              </a:r>
+              <a:endParaRPr lang="en-CN" sz="1200" dirty="0"/>
+            </a:p>
+          </p:txBody>
+        </p:sp>
+        <p:sp>
+          <p:nvSpPr>
+            <p:cNvPr id="11" name="Rectangle 58">
+              <a:extLst>
+                <a:ext uri="{FF2B5EF4-FFF2-40B4-BE49-F238E27FC236}">
+                  <a16:creationId xmlns:a16="http://schemas.microsoft.com/office/drawing/2014/main" id="{848D97ED-ECCD-6A4D-94C7-513FA93C2CE4}"/>
+                </a:ext>
+              </a:extLst>
+            </p:cNvPr>
+            <p:cNvSpPr/>
+            <p:nvPr/>
+          </p:nvSpPr>
+          <p:spPr>
+            <a:xfrm>
+              <a:off x="1702327" y="2319396"/>
+              <a:ext cx="7424740" cy="493402"/>
+            </a:xfrm>
+            <a:prstGeom prst="rect">
+              <a:avLst/>
+            </a:prstGeom>
+            <a:noFill/>
+            <a:ln w="19050">
+              <a:solidFill>
+                <a:schemeClr val="tx1"/>
+              </a:solidFill>
+            </a:ln>
+          </p:spPr>
+          <p:style>
+            <a:lnRef idx="2">
+              <a:schemeClr val="accent6"/>
+            </a:lnRef>
+            <a:fillRef idx="1">
+              <a:schemeClr val="lt1"/>
+            </a:fillRef>
+            <a:effectRef idx="0">
+              <a:schemeClr val="accent6"/>
+            </a:effectRef>
+            <a:fontRef idx="minor">
+              <a:schemeClr val="dk1"/>
+            </a:fontRef>
+          </p:style>
+          <p:txBody>
+            <a:bodyPr rtlCol="0" anchor="ctr"/>
+            <a:lstStyle/>
+            <a:p>
+              <a:pPr algn="ctr"/>
+              <a:endParaRPr lang="en-CN" dirty="0"/>
+            </a:p>
+          </p:txBody>
+        </p:sp>
+      </p:grpSp>
+      <p:grpSp>
+        <p:nvGrpSpPr>
+          <p:cNvPr id="3" name="组合 2"/>
+          <p:cNvGrpSpPr/>
+          <p:nvPr/>
+        </p:nvGrpSpPr>
+        <p:grpSpPr>
+          <a:xfrm>
+            <a:off x="1761296" y="2213625"/>
+            <a:ext cx="7424740" cy="493402"/>
+            <a:chOff x="1702327" y="3666290"/>
+            <a:chExt cx="7424740" cy="493402"/>
+          </a:xfrm>
+        </p:grpSpPr>
+        <p:sp>
+          <p:nvSpPr>
+            <p:cNvPr id="81" name="Rectangle 80">
+              <a:extLst>
+                <a:ext uri="{FF2B5EF4-FFF2-40B4-BE49-F238E27FC236}">
+                  <a16:creationId xmlns:a16="http://schemas.microsoft.com/office/drawing/2014/main" id="{CEB10A66-B0A3-1B4A-9129-D5C569029C69}"/>
+                </a:ext>
+              </a:extLst>
+            </p:cNvPr>
+            <p:cNvSpPr/>
+            <p:nvPr/>
+          </p:nvSpPr>
+          <p:spPr>
+            <a:xfrm>
+              <a:off x="4250762" y="3774491"/>
+              <a:ext cx="2316198" cy="276999"/>
+            </a:xfrm>
+            <a:prstGeom prst="rect">
+              <a:avLst/>
+            </a:prstGeom>
+            <a:solidFill>
+              <a:schemeClr val="accent4">
+                <a:lumMod val="60000"/>
+                <a:lumOff val="40000"/>
+              </a:schemeClr>
+            </a:solidFill>
+          </p:spPr>
+          <p:txBody>
+            <a:bodyPr wrap="square">
+              <a:spAutoFit/>
+            </a:bodyPr>
+            <a:lstStyle/>
+            <a:p>
+              <a:pPr algn="ctr"/>
+              <a:r>
+                <a:rPr lang="zh-CN" altLang="en-US" sz="1200" dirty="0" smtClean="0"/>
+                <a:t>开放</a:t>
+              </a:r>
+              <a:r>
+                <a:rPr lang="zh-CN" altLang="en-CN" sz="1200" dirty="0" smtClean="0"/>
+                <a:t>环境</a:t>
+              </a:r>
+              <a:r>
+                <a:rPr lang="zh-CN" altLang="en-US" sz="1200" dirty="0" smtClean="0"/>
+                <a:t>自主感知</a:t>
+              </a:r>
+              <a:endParaRPr lang="en-CN" sz="1200" dirty="0"/>
+            </a:p>
+          </p:txBody>
+        </p:sp>
+        <p:sp>
+          <p:nvSpPr>
+            <p:cNvPr id="48" name="Rectangle 81">
+              <a:extLst>
+                <a:ext uri="{FF2B5EF4-FFF2-40B4-BE49-F238E27FC236}">
+                  <a16:creationId xmlns:a16="http://schemas.microsoft.com/office/drawing/2014/main" id="{9B2CF6B2-DED8-DA41-9717-0F0FBD71997E}"/>
+                </a:ext>
+              </a:extLst>
+            </p:cNvPr>
+            <p:cNvSpPr/>
+            <p:nvPr/>
+          </p:nvSpPr>
+          <p:spPr>
+            <a:xfrm>
+              <a:off x="1761296" y="3774492"/>
+              <a:ext cx="2311400" cy="276999"/>
+            </a:xfrm>
+            <a:prstGeom prst="rect">
+              <a:avLst/>
+            </a:prstGeom>
+            <a:solidFill>
+              <a:schemeClr val="accent6">
+                <a:lumMod val="40000"/>
+                <a:lumOff val="60000"/>
+              </a:schemeClr>
+            </a:solidFill>
+          </p:spPr>
+          <p:txBody>
+            <a:bodyPr wrap="square">
+              <a:spAutoFit/>
+            </a:bodyPr>
+            <a:lstStyle/>
+            <a:p>
+              <a:pPr algn="ctr"/>
+              <a:r>
+                <a:rPr lang="zh-CN" altLang="en-US" sz="1200" dirty="0" smtClean="0"/>
+                <a:t>自适应多智体协同决策模型</a:t>
+              </a:r>
+              <a:endParaRPr lang="en-CN" sz="1200" dirty="0"/>
+            </a:p>
+          </p:txBody>
+        </p:sp>
+        <p:sp>
+          <p:nvSpPr>
+            <p:cNvPr id="49" name="Rectangle 80">
+              <a:extLst>
+                <a:ext uri="{FF2B5EF4-FFF2-40B4-BE49-F238E27FC236}">
+                  <a16:creationId xmlns:a16="http://schemas.microsoft.com/office/drawing/2014/main" id="{CEB10A66-B0A3-1B4A-9129-D5C569029C69}"/>
+                </a:ext>
+              </a:extLst>
+            </p:cNvPr>
+            <p:cNvSpPr/>
+            <p:nvPr/>
+          </p:nvSpPr>
+          <p:spPr>
+            <a:xfrm>
+              <a:off x="6741057" y="3774492"/>
+              <a:ext cx="2316198" cy="276999"/>
+            </a:xfrm>
+            <a:prstGeom prst="rect">
+              <a:avLst/>
+            </a:prstGeom>
+            <a:solidFill>
+              <a:schemeClr val="accent4">
+                <a:lumMod val="60000"/>
+                <a:lumOff val="40000"/>
+              </a:schemeClr>
+            </a:solidFill>
+          </p:spPr>
+          <p:txBody>
+            <a:bodyPr wrap="square">
+              <a:spAutoFit/>
+            </a:bodyPr>
+            <a:lstStyle/>
+            <a:p>
+              <a:pPr algn="ctr"/>
+              <a:r>
+                <a:rPr lang="zh-CN" altLang="en-US" sz="1200" dirty="0"/>
+                <a:t>动态</a:t>
+              </a:r>
+              <a:r>
+                <a:rPr lang="zh-CN" altLang="en-US" sz="1200" dirty="0" smtClean="0"/>
+                <a:t>单智体参与激励策略</a:t>
+              </a:r>
+              <a:endParaRPr lang="en-CN" sz="1200" dirty="0"/>
+            </a:p>
+          </p:txBody>
+        </p:sp>
+        <p:sp>
+          <p:nvSpPr>
+            <p:cNvPr id="12" name="Rectangle 58">
+              <a:extLst>
+                <a:ext uri="{FF2B5EF4-FFF2-40B4-BE49-F238E27FC236}">
+                  <a16:creationId xmlns:a16="http://schemas.microsoft.com/office/drawing/2014/main" id="{848D97ED-ECCD-6A4D-94C7-513FA93C2CE4}"/>
+                </a:ext>
+              </a:extLst>
+            </p:cNvPr>
+            <p:cNvSpPr/>
+            <p:nvPr/>
+          </p:nvSpPr>
+          <p:spPr>
+            <a:xfrm>
+              <a:off x="1702327" y="3666290"/>
+              <a:ext cx="7424740" cy="493402"/>
+            </a:xfrm>
+            <a:prstGeom prst="rect">
+              <a:avLst/>
+            </a:prstGeom>
+            <a:noFill/>
+            <a:ln w="19050">
+              <a:solidFill>
+                <a:schemeClr val="tx1"/>
+              </a:solidFill>
+            </a:ln>
+          </p:spPr>
+          <p:style>
+            <a:lnRef idx="2">
+              <a:schemeClr val="accent6"/>
+            </a:lnRef>
+            <a:fillRef idx="1">
+              <a:schemeClr val="lt1"/>
+            </a:fillRef>
+            <a:effectRef idx="0">
+              <a:schemeClr val="accent6"/>
+            </a:effectRef>
+            <a:fontRef idx="minor">
+              <a:schemeClr val="dk1"/>
+            </a:fontRef>
+          </p:style>
+          <p:txBody>
+            <a:bodyPr rtlCol="0" anchor="ctr"/>
+            <a:lstStyle/>
+            <a:p>
+              <a:pPr algn="ctr"/>
+              <a:endParaRPr lang="en-CN" dirty="0"/>
+            </a:p>
+          </p:txBody>
+        </p:sp>
+      </p:grpSp>
     </p:spTree>
     <p:extLst>
       <p:ext uri="{BB962C8B-B14F-4D97-AF65-F5344CB8AC3E}">
